--- a/fig/tcsa_nsleds_hdiled_quads.pptx
+++ b/fig/tcsa_nsleds_hdiled_quads.pptx
@@ -3340,7 +3340,7 @@
         </p:nvSpPr>
         <p:spPr>
           <a:xfrm>
-            <a:off x="4860717" y="1727062"/>
+            <a:off x="4921677" y="1727062"/>
             <a:ext cx="2561920" cy="1015663"/>
           </a:xfrm>
           <a:prstGeom prst="rect">
@@ -3375,7 +3375,7 @@
         </p:nvSpPr>
         <p:spPr>
           <a:xfrm>
-            <a:off x="9000251" y="1720918"/>
+            <a:off x="9061211" y="1720918"/>
             <a:ext cx="2502608" cy="1015663"/>
           </a:xfrm>
           <a:prstGeom prst="rect">
@@ -3410,10 +3410,10 @@
         </p:nvGrpSpPr>
         <p:grpSpPr>
           <a:xfrm>
-            <a:off x="3929786" y="2565679"/>
-            <a:ext cx="4021648" cy="4039808"/>
-            <a:chOff x="-14050" y="844463"/>
-            <a:chExt cx="5745196" cy="5771137"/>
+            <a:off x="3937108" y="2565679"/>
+            <a:ext cx="4075286" cy="4098315"/>
+            <a:chOff x="-90677" y="844463"/>
+            <a:chExt cx="5821823" cy="5854715"/>
           </a:xfrm>
         </p:grpSpPr>
         <p:sp>
@@ -3580,8 +3580,8 @@
           </p:nvSpPr>
           <p:spPr>
             <a:xfrm>
-              <a:off x="1367915" y="1675067"/>
-              <a:ext cx="1427966" cy="923330"/>
+              <a:off x="1367914" y="1675067"/>
+              <a:ext cx="1427966" cy="1099197"/>
             </a:xfrm>
             <a:prstGeom prst="rect">
               <a:avLst/>
@@ -3595,7 +3595,7 @@
             <a:lstStyle/>
             <a:p>
               <a:r>
-                <a:rPr lang="en-US" sz="5400" dirty="0">
+                <a:rPr lang="en-US" sz="4400" dirty="0">
                   <a:solidFill>
                     <a:schemeClr val="tx1">
                       <a:lumMod val="95000"/>
@@ -3623,7 +3623,7 @@
           <p:spPr>
             <a:xfrm>
               <a:off x="3601724" y="1675067"/>
-              <a:ext cx="1427966" cy="923330"/>
+              <a:ext cx="1427966" cy="1099197"/>
             </a:xfrm>
             <a:prstGeom prst="rect">
               <a:avLst/>
@@ -3637,7 +3637,7 @@
             <a:lstStyle/>
             <a:p>
               <a:r>
-                <a:rPr lang="en-US" sz="5400" dirty="0">
+                <a:rPr lang="en-US" sz="4400" dirty="0">
                   <a:solidFill>
                     <a:schemeClr val="tx1">
                       <a:lumMod val="95000"/>
@@ -3664,8 +3664,8 @@
           </p:nvSpPr>
           <p:spPr>
             <a:xfrm>
-              <a:off x="1367915" y="4259604"/>
-              <a:ext cx="1427966" cy="923330"/>
+              <a:off x="1367914" y="4259603"/>
+              <a:ext cx="1427966" cy="1099197"/>
             </a:xfrm>
             <a:prstGeom prst="rect">
               <a:avLst/>
@@ -3679,7 +3679,7 @@
             <a:lstStyle/>
             <a:p>
               <a:r>
-                <a:rPr lang="en-US" sz="5400" dirty="0">
+                <a:rPr lang="en-US" sz="4400" dirty="0">
                   <a:solidFill>
                     <a:schemeClr val="tx1">
                       <a:lumMod val="95000"/>
@@ -3706,8 +3706,8 @@
           </p:nvSpPr>
           <p:spPr>
             <a:xfrm>
-              <a:off x="3601724" y="4259604"/>
-              <a:ext cx="1427966" cy="923330"/>
+              <a:off x="3601724" y="4259603"/>
+              <a:ext cx="1427966" cy="1099197"/>
             </a:xfrm>
             <a:prstGeom prst="rect">
               <a:avLst/>
@@ -3721,7 +3721,7 @@
             <a:lstStyle/>
             <a:p>
               <a:r>
-                <a:rPr lang="en-US" sz="5400" dirty="0">
+                <a:rPr lang="en-US" sz="4400" dirty="0">
                   <a:solidFill>
                     <a:schemeClr val="tx1">
                       <a:lumMod val="95000"/>
@@ -3832,8 +3832,8 @@
           </p:nvSpPr>
           <p:spPr>
             <a:xfrm rot="16200000">
-              <a:off x="-231142" y="3143207"/>
-              <a:ext cx="1005767" cy="571584"/>
+              <a:off x="-337080" y="3099240"/>
+              <a:ext cx="1152326" cy="659520"/>
             </a:xfrm>
             <a:prstGeom prst="rect">
               <a:avLst/>
@@ -3847,10 +3847,13 @@
             <a:lstStyle/>
             <a:p>
               <a:r>
-                <a:rPr lang="en-US" sz="2000" dirty="0"/>
+                <a:rPr lang="en-US" sz="2400" dirty="0">
+                  <a:solidFill>
+                    <a:srgbClr val="C00000"/>
+                  </a:solidFill>
+                </a:rPr>
                 <a:t>1024</a:t>
               </a:r>
-              <a:endParaRPr lang="en-US" sz="2400" dirty="0"/>
             </a:p>
           </p:txBody>
         </p:sp>
@@ -3868,8 +3871,8 @@
           </p:nvSpPr>
           <p:spPr>
             <a:xfrm>
-              <a:off x="2651151" y="6044016"/>
-              <a:ext cx="1005767" cy="571584"/>
+              <a:off x="2651151" y="6039659"/>
+              <a:ext cx="1152327" cy="659519"/>
             </a:xfrm>
             <a:prstGeom prst="rect">
               <a:avLst/>
@@ -3883,7 +3886,11 @@
             <a:lstStyle/>
             <a:p>
               <a:r>
-                <a:rPr lang="en-US" sz="2000" dirty="0"/>
+                <a:rPr lang="en-US" sz="2400" dirty="0">
+                  <a:solidFill>
+                    <a:srgbClr val="C00000"/>
+                  </a:solidFill>
+                </a:rPr>
                 <a:t>1024</a:t>
               </a:r>
             </a:p>
@@ -3945,8 +3952,8 @@
           </p:nvSpPr>
           <p:spPr>
             <a:xfrm>
-              <a:off x="1462334" y="2820429"/>
-              <a:ext cx="820278" cy="571584"/>
+              <a:off x="1462336" y="2739875"/>
+              <a:ext cx="930198" cy="659519"/>
             </a:xfrm>
             <a:prstGeom prst="rect">
               <a:avLst/>
@@ -3960,7 +3967,11 @@
             <a:lstStyle/>
             <a:p>
               <a:r>
-                <a:rPr lang="en-US" sz="2000" dirty="0"/>
+                <a:rPr lang="en-US" sz="2400" dirty="0">
+                  <a:solidFill>
+                    <a:srgbClr val="C00000"/>
+                  </a:solidFill>
+                </a:rPr>
                 <a:t>512</a:t>
               </a:r>
             </a:p>
@@ -4022,8 +4033,8 @@
           </p:nvSpPr>
           <p:spPr>
             <a:xfrm rot="16200000">
-              <a:off x="2366808" y="4459671"/>
-              <a:ext cx="820278" cy="571584"/>
+              <a:off x="2290076" y="4415704"/>
+              <a:ext cx="930197" cy="659520"/>
             </a:xfrm>
             <a:prstGeom prst="rect">
               <a:avLst/>
@@ -4037,7 +4048,11 @@
             <a:lstStyle/>
             <a:p>
               <a:r>
-                <a:rPr lang="en-US" sz="2000" dirty="0"/>
+                <a:rPr lang="en-US" sz="2400" dirty="0">
+                  <a:solidFill>
+                    <a:srgbClr val="C00000"/>
+                  </a:solidFill>
+                </a:rPr>
                 <a:t>512</a:t>
               </a:r>
             </a:p>
@@ -4370,10 +4385,10 @@
         </p:nvGrpSpPr>
         <p:grpSpPr>
           <a:xfrm>
-            <a:off x="7972232" y="2551915"/>
-            <a:ext cx="4021647" cy="4045797"/>
-            <a:chOff x="5892249" y="844463"/>
-            <a:chExt cx="5745195" cy="5779693"/>
+            <a:off x="7976507" y="2551915"/>
+            <a:ext cx="4078333" cy="4099732"/>
+            <a:chOff x="5811268" y="844463"/>
+            <a:chExt cx="5826176" cy="5856740"/>
           </a:xfrm>
         </p:grpSpPr>
         <p:sp>
@@ -4540,8 +4555,8 @@
           </p:nvSpPr>
           <p:spPr>
             <a:xfrm>
-              <a:off x="7274213" y="1675067"/>
-              <a:ext cx="1427966" cy="923330"/>
+              <a:off x="7274213" y="1675068"/>
+              <a:ext cx="1427966" cy="1099198"/>
             </a:xfrm>
             <a:prstGeom prst="rect">
               <a:avLst/>
@@ -4555,7 +4570,7 @@
             <a:lstStyle/>
             <a:p>
               <a:r>
-                <a:rPr lang="en-US" sz="5400" dirty="0">
+                <a:rPr lang="en-US" sz="4400" dirty="0">
                   <a:solidFill>
                     <a:schemeClr val="tx1">
                       <a:lumMod val="95000"/>
@@ -4582,8 +4597,8 @@
           </p:nvSpPr>
           <p:spPr>
             <a:xfrm>
-              <a:off x="9508022" y="1675067"/>
-              <a:ext cx="1427966" cy="923330"/>
+              <a:off x="9508023" y="1675068"/>
+              <a:ext cx="1427966" cy="1099198"/>
             </a:xfrm>
             <a:prstGeom prst="rect">
               <a:avLst/>
@@ -4597,7 +4612,7 @@
             <a:lstStyle/>
             <a:p>
               <a:r>
-                <a:rPr lang="en-US" sz="5400" dirty="0">
+                <a:rPr lang="en-US" sz="4400" dirty="0">
                   <a:solidFill>
                     <a:schemeClr val="tx1">
                       <a:lumMod val="95000"/>
@@ -4625,7 +4640,7 @@
           <p:spPr>
             <a:xfrm>
               <a:off x="7274213" y="4259604"/>
-              <a:ext cx="1427966" cy="923330"/>
+              <a:ext cx="1427966" cy="1099198"/>
             </a:xfrm>
             <a:prstGeom prst="rect">
               <a:avLst/>
@@ -4639,7 +4654,7 @@
             <a:lstStyle/>
             <a:p>
               <a:r>
-                <a:rPr lang="en-US" sz="5400" dirty="0">
+                <a:rPr lang="en-US" sz="4400" dirty="0">
                   <a:solidFill>
                     <a:schemeClr val="tx1">
                       <a:lumMod val="95000"/>
@@ -4666,8 +4681,8 @@
           </p:nvSpPr>
           <p:spPr>
             <a:xfrm>
-              <a:off x="9508022" y="4259604"/>
-              <a:ext cx="1427966" cy="923330"/>
+              <a:off x="9508023" y="4259604"/>
+              <a:ext cx="1427966" cy="1099198"/>
             </a:xfrm>
             <a:prstGeom prst="rect">
               <a:avLst/>
@@ -4681,7 +4696,7 @@
             <a:lstStyle/>
             <a:p>
               <a:r>
-                <a:rPr lang="en-US" sz="5400" dirty="0">
+                <a:rPr lang="en-US" sz="4400" dirty="0">
                   <a:solidFill>
                     <a:schemeClr val="tx1">
                       <a:lumMod val="95000"/>
@@ -4792,8 +4807,8 @@
           </p:nvSpPr>
           <p:spPr>
             <a:xfrm rot="16200000">
-              <a:off x="5675157" y="3143206"/>
-              <a:ext cx="1005767" cy="571584"/>
+              <a:off x="5564864" y="3099239"/>
+              <a:ext cx="1152327" cy="659520"/>
             </a:xfrm>
             <a:prstGeom prst="rect">
               <a:avLst/>
@@ -4807,10 +4822,13 @@
             <a:lstStyle/>
             <a:p>
               <a:r>
-                <a:rPr lang="en-US" sz="2000" dirty="0"/>
+                <a:rPr lang="en-US" sz="2400" dirty="0">
+                  <a:solidFill>
+                    <a:srgbClr val="C00000"/>
+                  </a:solidFill>
+                </a:rPr>
                 <a:t>2048</a:t>
               </a:r>
-              <a:endParaRPr lang="en-US" sz="2400" dirty="0"/>
             </a:p>
           </p:txBody>
         </p:sp>
@@ -4870,8 +4888,8 @@
           </p:nvSpPr>
           <p:spPr>
             <a:xfrm>
-              <a:off x="7368631" y="2820430"/>
-              <a:ext cx="1005767" cy="571584"/>
+              <a:off x="7368631" y="2737698"/>
+              <a:ext cx="1152327" cy="659519"/>
             </a:xfrm>
             <a:prstGeom prst="rect">
               <a:avLst/>
@@ -4885,7 +4903,11 @@
             <a:lstStyle/>
             <a:p>
               <a:r>
-                <a:rPr lang="en-US" sz="2000" dirty="0"/>
+                <a:rPr lang="en-US" sz="2400" dirty="0">
+                  <a:solidFill>
+                    <a:srgbClr val="C00000"/>
+                  </a:solidFill>
+                </a:rPr>
                 <a:t>1024</a:t>
               </a:r>
             </a:p>
@@ -4947,8 +4969,8 @@
           </p:nvSpPr>
           <p:spPr>
             <a:xfrm rot="16200000">
-              <a:off x="8180362" y="4459670"/>
-              <a:ext cx="1005767" cy="571584"/>
+              <a:off x="8087487" y="4415702"/>
+              <a:ext cx="1152327" cy="659518"/>
             </a:xfrm>
             <a:prstGeom prst="rect">
               <a:avLst/>
@@ -4962,7 +4984,11 @@
             <a:lstStyle/>
             <a:p>
               <a:r>
-                <a:rPr lang="en-US" sz="2000" dirty="0"/>
+                <a:rPr lang="en-US" sz="2400" dirty="0">
+                  <a:solidFill>
+                    <a:srgbClr val="C00000"/>
+                  </a:solidFill>
+                </a:rPr>
                 <a:t>1024</a:t>
               </a:r>
             </a:p>
@@ -5294,8 +5320,8 @@
           </p:nvSpPr>
           <p:spPr>
             <a:xfrm>
-              <a:off x="8573391" y="6052572"/>
-              <a:ext cx="1005767" cy="571584"/>
+              <a:off x="8573391" y="6041684"/>
+              <a:ext cx="1152327" cy="659519"/>
             </a:xfrm>
             <a:prstGeom prst="rect">
               <a:avLst/>
@@ -5309,7 +5335,11 @@
             <a:lstStyle/>
             <a:p>
               <a:r>
-                <a:rPr lang="en-US" sz="2000" dirty="0"/>
+                <a:rPr lang="en-US" sz="2400" dirty="0">
+                  <a:solidFill>
+                    <a:srgbClr val="C00000"/>
+                  </a:solidFill>
+                </a:rPr>
                 <a:t>2048</a:t>
               </a:r>
             </a:p>
@@ -5330,10 +5360,10 @@
         </p:nvGrpSpPr>
         <p:grpSpPr>
           <a:xfrm>
-            <a:off x="-113237" y="2551915"/>
-            <a:ext cx="4021649" cy="4045797"/>
-            <a:chOff x="5892247" y="844463"/>
-            <a:chExt cx="5745197" cy="5779693"/>
+            <a:off x="-108968" y="2551915"/>
+            <a:ext cx="4078335" cy="4099732"/>
+            <a:chOff x="5811263" y="844463"/>
+            <a:chExt cx="5826181" cy="5856740"/>
           </a:xfrm>
         </p:grpSpPr>
         <p:sp>
@@ -5501,7 +5531,7 @@
           <p:spPr>
             <a:xfrm>
               <a:off x="7274213" y="1675067"/>
-              <a:ext cx="1427966" cy="923330"/>
+              <a:ext cx="1427966" cy="1099197"/>
             </a:xfrm>
             <a:prstGeom prst="rect">
               <a:avLst/>
@@ -5515,7 +5545,7 @@
             <a:lstStyle/>
             <a:p>
               <a:r>
-                <a:rPr lang="en-US" sz="5400" dirty="0">
+                <a:rPr lang="en-US" sz="4400" dirty="0">
                   <a:solidFill>
                     <a:schemeClr val="tx1">
                       <a:lumMod val="95000"/>
@@ -5543,7 +5573,7 @@
           <p:spPr>
             <a:xfrm>
               <a:off x="9508022" y="1675067"/>
-              <a:ext cx="1427966" cy="923330"/>
+              <a:ext cx="1427966" cy="1099197"/>
             </a:xfrm>
             <a:prstGeom prst="rect">
               <a:avLst/>
@@ -5557,7 +5587,7 @@
             <a:lstStyle/>
             <a:p>
               <a:r>
-                <a:rPr lang="en-US" sz="5400" dirty="0">
+                <a:rPr lang="en-US" sz="4400" dirty="0">
                   <a:solidFill>
                     <a:schemeClr val="tx1">
                       <a:lumMod val="95000"/>
@@ -5585,7 +5615,7 @@
           <p:spPr>
             <a:xfrm>
               <a:off x="7274213" y="4259604"/>
-              <a:ext cx="1427966" cy="923330"/>
+              <a:ext cx="1427966" cy="1099197"/>
             </a:xfrm>
             <a:prstGeom prst="rect">
               <a:avLst/>
@@ -5599,7 +5629,7 @@
             <a:lstStyle/>
             <a:p>
               <a:r>
-                <a:rPr lang="en-US" sz="5400" dirty="0">
+                <a:rPr lang="en-US" sz="4400" dirty="0">
                   <a:solidFill>
                     <a:schemeClr val="tx1">
                       <a:lumMod val="95000"/>
@@ -5627,7 +5657,7 @@
           <p:spPr>
             <a:xfrm>
               <a:off x="9508022" y="4259604"/>
-              <a:ext cx="1427966" cy="923330"/>
+              <a:ext cx="1427966" cy="1099197"/>
             </a:xfrm>
             <a:prstGeom prst="rect">
               <a:avLst/>
@@ -5641,7 +5671,7 @@
             <a:lstStyle/>
             <a:p>
               <a:r>
-                <a:rPr lang="en-US" sz="5400" dirty="0">
+                <a:rPr lang="en-US" sz="4400" dirty="0">
                   <a:solidFill>
                     <a:schemeClr val="tx1">
                       <a:lumMod val="95000"/>
@@ -5752,8 +5782,8 @@
           </p:nvSpPr>
           <p:spPr>
             <a:xfrm rot="16200000">
-              <a:off x="5767900" y="3143206"/>
-              <a:ext cx="820278" cy="571584"/>
+              <a:off x="5675924" y="3099239"/>
+              <a:ext cx="930197" cy="659520"/>
             </a:xfrm>
             <a:prstGeom prst="rect">
               <a:avLst/>
@@ -5767,10 +5797,13 @@
             <a:lstStyle/>
             <a:p>
               <a:r>
-                <a:rPr lang="en-US" sz="2000" dirty="0"/>
+                <a:rPr lang="en-US" sz="2400" dirty="0">
+                  <a:solidFill>
+                    <a:srgbClr val="C00000"/>
+                  </a:solidFill>
+                </a:rPr>
                 <a:t>512</a:t>
               </a:r>
-              <a:endParaRPr lang="en-US" sz="2400" dirty="0"/>
             </a:p>
           </p:txBody>
         </p:sp>
@@ -5830,8 +5863,8 @@
           </p:nvSpPr>
           <p:spPr>
             <a:xfrm>
-              <a:off x="7368631" y="2831316"/>
-              <a:ext cx="820278" cy="571584"/>
+              <a:off x="7368630" y="2742054"/>
+              <a:ext cx="930196" cy="659519"/>
             </a:xfrm>
             <a:prstGeom prst="rect">
               <a:avLst/>
@@ -5845,7 +5878,11 @@
             <a:lstStyle/>
             <a:p>
               <a:r>
-                <a:rPr lang="en-US" sz="2000" dirty="0"/>
+                <a:rPr lang="en-US" sz="2400" dirty="0">
+                  <a:solidFill>
+                    <a:srgbClr val="C00000"/>
+                  </a:solidFill>
+                </a:rPr>
                 <a:t>256</a:t>
               </a:r>
             </a:p>
@@ -5907,8 +5944,8 @@
           </p:nvSpPr>
           <p:spPr>
             <a:xfrm rot="16200000">
-              <a:off x="8273106" y="4459670"/>
-              <a:ext cx="820278" cy="571584"/>
+              <a:off x="8279638" y="4459670"/>
+              <a:ext cx="820279" cy="571584"/>
             </a:xfrm>
             <a:prstGeom prst="rect">
               <a:avLst/>
@@ -5922,7 +5959,11 @@
             <a:lstStyle/>
             <a:p>
               <a:r>
-                <a:rPr lang="en-US" sz="2000" dirty="0"/>
+                <a:rPr lang="en-US" sz="2000" dirty="0">
+                  <a:solidFill>
+                    <a:srgbClr val="C00000"/>
+                  </a:solidFill>
+                </a:rPr>
                 <a:t>256</a:t>
               </a:r>
             </a:p>
@@ -6254,8 +6295,8 @@
           </p:nvSpPr>
           <p:spPr>
             <a:xfrm>
-              <a:off x="8649589" y="6052572"/>
-              <a:ext cx="820278" cy="571584"/>
+              <a:off x="8649590" y="6041684"/>
+              <a:ext cx="930196" cy="659519"/>
             </a:xfrm>
             <a:prstGeom prst="rect">
               <a:avLst/>
@@ -6269,7 +6310,11 @@
             <a:lstStyle/>
             <a:p>
               <a:r>
-                <a:rPr lang="en-US" sz="2000" dirty="0"/>
+                <a:rPr lang="en-US" sz="2400" dirty="0">
+                  <a:solidFill>
+                    <a:srgbClr val="C00000"/>
+                  </a:solidFill>
+                </a:rPr>
                 <a:t>512</a:t>
               </a:r>
             </a:p>
@@ -6290,7 +6335,7 @@
         </p:nvSpPr>
         <p:spPr>
           <a:xfrm>
-            <a:off x="1233990" y="1729711"/>
+            <a:off x="1294950" y="1729711"/>
             <a:ext cx="1748620" cy="1015663"/>
           </a:xfrm>
           <a:prstGeom prst="rect">
